--- a/프롬프트 검색.pptx
+++ b/프롬프트 검색.pptx
@@ -8,14 +8,20 @@
     <p:sldId id="256" r:id="rId2"/>
     <p:sldId id="262" r:id="rId3"/>
     <p:sldId id="257" r:id="rId4"/>
-    <p:sldId id="258" r:id="rId5"/>
-    <p:sldId id="259" r:id="rId6"/>
-    <p:sldId id="260" r:id="rId7"/>
-    <p:sldId id="261" r:id="rId8"/>
-    <p:sldId id="263" r:id="rId9"/>
-    <p:sldId id="264" r:id="rId10"/>
-    <p:sldId id="265" r:id="rId11"/>
-    <p:sldId id="266" r:id="rId12"/>
+    <p:sldId id="268" r:id="rId5"/>
+    <p:sldId id="258" r:id="rId6"/>
+    <p:sldId id="259" r:id="rId7"/>
+    <p:sldId id="260" r:id="rId8"/>
+    <p:sldId id="261" r:id="rId9"/>
+    <p:sldId id="263" r:id="rId10"/>
+    <p:sldId id="264" r:id="rId11"/>
+    <p:sldId id="265" r:id="rId12"/>
+    <p:sldId id="266" r:id="rId13"/>
+    <p:sldId id="267" r:id="rId14"/>
+    <p:sldId id="269" r:id="rId15"/>
+    <p:sldId id="270" r:id="rId16"/>
+    <p:sldId id="271" r:id="rId17"/>
+    <p:sldId id="272" r:id="rId18"/>
   </p:sldIdLst>
   <p:sldSz cx="12192000" cy="6858000"/>
   <p:notesSz cx="6858000" cy="9144000"/>
@@ -3087,6 +3093,93 @@
           <a:p>
             <a:r>
               <a:rPr lang="ko-KR" altLang="en-US" b="1" dirty="0" err="1" smtClean="0"/>
+              <a:t>뤼튼</a:t>
+            </a:r>
+            <a:r>
+              <a:rPr lang="ko-KR" altLang="en-US" b="1" dirty="0" smtClean="0"/>
+              <a:t> </a:t>
+            </a:r>
+            <a:r>
+              <a:rPr lang="ko-KR" altLang="en-US" b="1" dirty="0" err="1" smtClean="0"/>
+              <a:t>검색모드</a:t>
+            </a:r>
+            <a:endParaRPr lang="ko-KR" altLang="en-US" b="1" dirty="0"/>
+          </a:p>
+        </p:txBody>
+      </p:sp>
+      <p:pic>
+        <p:nvPicPr>
+          <p:cNvPr id="4" name="내용 개체 틀 3"/>
+          <p:cNvPicPr>
+            <a:picLocks noGrp="1" noChangeAspect="1"/>
+          </p:cNvPicPr>
+          <p:nvPr>
+            <p:ph idx="1"/>
+          </p:nvPr>
+        </p:nvPicPr>
+        <p:blipFill>
+          <a:blip r:embed="rId2"/>
+          <a:stretch>
+            <a:fillRect/>
+          </a:stretch>
+        </p:blipFill>
+        <p:spPr>
+          <a:xfrm>
+            <a:off x="2118757" y="2305607"/>
+            <a:ext cx="7954485" cy="3391373"/>
+          </a:xfrm>
+          <a:prstGeom prst="rect">
+            <a:avLst/>
+          </a:prstGeom>
+        </p:spPr>
+      </p:pic>
+    </p:spTree>
+    <p:extLst>
+      <p:ext uri="{BB962C8B-B14F-4D97-AF65-F5344CB8AC3E}">
+        <p14:creationId xmlns:p14="http://schemas.microsoft.com/office/powerpoint/2010/main" val="3444500979"/>
+      </p:ext>
+    </p:extLst>
+  </p:cSld>
+  <p:clrMapOvr>
+    <a:masterClrMapping/>
+  </p:clrMapOvr>
+</p:sld>
+</file>
+
+<file path=ppt/slides/slide11.xml><?xml version="1.0" encoding="utf-8"?>
+<p:sld xmlns:a="http://schemas.openxmlformats.org/drawingml/2006/main" xmlns:r="http://schemas.openxmlformats.org/officeDocument/2006/relationships" xmlns:p="http://schemas.openxmlformats.org/presentationml/2006/main">
+  <p:cSld>
+    <p:spTree>
+      <p:nvGrpSpPr>
+        <p:cNvPr id="1" name=""/>
+        <p:cNvGrpSpPr/>
+        <p:nvPr/>
+      </p:nvGrpSpPr>
+      <p:grpSpPr>
+        <a:xfrm>
+          <a:off x="0" y="0"/>
+          <a:ext cx="0" cy="0"/>
+          <a:chOff x="0" y="0"/>
+          <a:chExt cx="0" cy="0"/>
+        </a:xfrm>
+      </p:grpSpPr>
+      <p:sp>
+        <p:nvSpPr>
+          <p:cNvPr id="2" name="제목 1"/>
+          <p:cNvSpPr>
+            <a:spLocks noGrp="1"/>
+          </p:cNvSpPr>
+          <p:nvPr>
+            <p:ph type="title"/>
+          </p:nvPr>
+        </p:nvSpPr>
+        <p:spPr/>
+        <p:txBody>
+          <a:bodyPr/>
+          <a:lstStyle/>
+          <a:p>
+            <a:r>
+              <a:rPr lang="ko-KR" altLang="en-US" b="1" dirty="0" err="1" smtClean="0"/>
               <a:t>바드</a:t>
             </a:r>
             <a:endParaRPr lang="ko-KR" altLang="en-US" b="1" dirty="0"/>
@@ -3132,7 +3225,7 @@
 </p:sld>
 </file>
 
-<file path=ppt/slides/slide11.xml><?xml version="1.0" encoding="utf-8"?>
+<file path=ppt/slides/slide12.xml><?xml version="1.0" encoding="utf-8"?>
 <p:sld xmlns:a="http://schemas.openxmlformats.org/drawingml/2006/main" xmlns:r="http://schemas.openxmlformats.org/officeDocument/2006/relationships" xmlns:p="http://schemas.openxmlformats.org/presentationml/2006/main">
   <p:cSld>
     <p:spTree>
@@ -3226,6 +3319,498 @@
 </p:sld>
 </file>
 
+<file path=ppt/slides/slide13.xml><?xml version="1.0" encoding="utf-8"?>
+<p:sld xmlns:a="http://schemas.openxmlformats.org/drawingml/2006/main" xmlns:r="http://schemas.openxmlformats.org/officeDocument/2006/relationships" xmlns:p="http://schemas.openxmlformats.org/presentationml/2006/main">
+  <p:cSld>
+    <p:spTree>
+      <p:nvGrpSpPr>
+        <p:cNvPr id="1" name=""/>
+        <p:cNvGrpSpPr/>
+        <p:nvPr/>
+      </p:nvGrpSpPr>
+      <p:grpSpPr>
+        <a:xfrm>
+          <a:off x="0" y="0"/>
+          <a:ext cx="0" cy="0"/>
+          <a:chOff x="0" y="0"/>
+          <a:chExt cx="0" cy="0"/>
+        </a:xfrm>
+      </p:grpSpPr>
+      <p:sp>
+        <p:nvSpPr>
+          <p:cNvPr id="2" name="제목 1"/>
+          <p:cNvSpPr>
+            <a:spLocks noGrp="1"/>
+          </p:cNvSpPr>
+          <p:nvPr>
+            <p:ph type="title"/>
+          </p:nvPr>
+        </p:nvSpPr>
+        <p:spPr/>
+        <p:txBody>
+          <a:bodyPr/>
+          <a:lstStyle/>
+          <a:p>
+            <a:r>
+              <a:rPr lang="ko-KR" altLang="en-US" b="1" dirty="0" smtClean="0"/>
+              <a:t>요청사항</a:t>
+            </a:r>
+            <a:endParaRPr lang="ko-KR" altLang="en-US" b="1" dirty="0"/>
+          </a:p>
+        </p:txBody>
+      </p:sp>
+      <p:pic>
+        <p:nvPicPr>
+          <p:cNvPr id="4" name="내용 개체 틀 3"/>
+          <p:cNvPicPr>
+            <a:picLocks noGrp="1" noChangeAspect="1"/>
+          </p:cNvPicPr>
+          <p:nvPr>
+            <p:ph idx="1"/>
+          </p:nvPr>
+        </p:nvPicPr>
+        <p:blipFill>
+          <a:blip r:embed="rId2"/>
+          <a:stretch>
+            <a:fillRect/>
+          </a:stretch>
+        </p:blipFill>
+        <p:spPr>
+          <a:xfrm>
+            <a:off x="2671129" y="2321168"/>
+            <a:ext cx="6559740" cy="3217985"/>
+          </a:xfrm>
+          <a:prstGeom prst="rect">
+            <a:avLst/>
+          </a:prstGeom>
+        </p:spPr>
+      </p:pic>
+    </p:spTree>
+    <p:extLst>
+      <p:ext uri="{BB962C8B-B14F-4D97-AF65-F5344CB8AC3E}">
+        <p14:creationId xmlns:p14="http://schemas.microsoft.com/office/powerpoint/2010/main" val="1628693433"/>
+      </p:ext>
+    </p:extLst>
+  </p:cSld>
+  <p:clrMapOvr>
+    <a:masterClrMapping/>
+  </p:clrMapOvr>
+</p:sld>
+</file>
+
+<file path=ppt/slides/slide14.xml><?xml version="1.0" encoding="utf-8"?>
+<p:sld xmlns:a="http://schemas.openxmlformats.org/drawingml/2006/main" xmlns:r="http://schemas.openxmlformats.org/officeDocument/2006/relationships" xmlns:p="http://schemas.openxmlformats.org/presentationml/2006/main">
+  <p:cSld>
+    <p:spTree>
+      <p:nvGrpSpPr>
+        <p:cNvPr id="1" name=""/>
+        <p:cNvGrpSpPr/>
+        <p:nvPr/>
+      </p:nvGrpSpPr>
+      <p:grpSpPr>
+        <a:xfrm>
+          <a:off x="0" y="0"/>
+          <a:ext cx="0" cy="0"/>
+          <a:chOff x="0" y="0"/>
+          <a:chExt cx="0" cy="0"/>
+        </a:xfrm>
+      </p:grpSpPr>
+      <p:sp>
+        <p:nvSpPr>
+          <p:cNvPr id="2" name="제목 1"/>
+          <p:cNvSpPr>
+            <a:spLocks noGrp="1"/>
+          </p:cNvSpPr>
+          <p:nvPr>
+            <p:ph type="title"/>
+          </p:nvPr>
+        </p:nvSpPr>
+        <p:spPr/>
+        <p:txBody>
+          <a:bodyPr/>
+          <a:lstStyle/>
+          <a:p>
+            <a:r>
+              <a:rPr lang="ko-KR" altLang="en-US" b="1" dirty="0" smtClean="0"/>
+              <a:t>검색에서의 제한 사항</a:t>
+            </a:r>
+            <a:endParaRPr lang="ko-KR" altLang="en-US" b="1" dirty="0"/>
+          </a:p>
+        </p:txBody>
+      </p:sp>
+      <p:sp>
+        <p:nvSpPr>
+          <p:cNvPr id="3" name="내용 개체 틀 2"/>
+          <p:cNvSpPr>
+            <a:spLocks noGrp="1"/>
+          </p:cNvSpPr>
+          <p:nvPr>
+            <p:ph idx="1"/>
+          </p:nvPr>
+        </p:nvSpPr>
+        <p:spPr/>
+        <p:txBody>
+          <a:bodyPr/>
+          <a:lstStyle/>
+          <a:p>
+            <a:pPr>
+              <a:lnSpc>
+                <a:spcPct val="150000"/>
+              </a:lnSpc>
+            </a:pPr>
+            <a:r>
+              <a:rPr lang="ko-KR" altLang="en-US" dirty="0" err="1" smtClean="0"/>
+              <a:t>할루시네이션</a:t>
+            </a:r>
+            <a:r>
+              <a:rPr lang="ko-KR" altLang="en-US" dirty="0" smtClean="0"/>
+              <a:t> 극복의 문제</a:t>
+            </a:r>
+            <a:endParaRPr lang="en-US" altLang="ko-KR" dirty="0" smtClean="0"/>
+          </a:p>
+          <a:p>
+            <a:pPr>
+              <a:lnSpc>
+                <a:spcPct val="150000"/>
+              </a:lnSpc>
+            </a:pPr>
+            <a:r>
+              <a:rPr lang="ko-KR" altLang="en-US" dirty="0" smtClean="0"/>
+              <a:t>학습 자료는 </a:t>
+            </a:r>
+            <a:r>
+              <a:rPr lang="en-US" altLang="ko-KR" dirty="0" smtClean="0"/>
+              <a:t>2021</a:t>
+            </a:r>
+            <a:r>
+              <a:rPr lang="ko-KR" altLang="en-US" dirty="0" smtClean="0"/>
+              <a:t>년 </a:t>
+            </a:r>
+            <a:r>
+              <a:rPr lang="en-US" altLang="ko-KR" dirty="0" smtClean="0"/>
+              <a:t>9</a:t>
+            </a:r>
+            <a:r>
+              <a:rPr lang="ko-KR" altLang="en-US" dirty="0" smtClean="0"/>
+              <a:t>월까지</a:t>
+            </a:r>
+            <a:r>
+              <a:rPr lang="en-US" altLang="ko-KR" dirty="0" smtClean="0"/>
+              <a:t>, </a:t>
+            </a:r>
+            <a:r>
+              <a:rPr lang="ko-KR" altLang="en-US" dirty="0" smtClean="0"/>
+              <a:t>그렇다고 모든 자료를 다 읽힌 건 아니다</a:t>
+            </a:r>
+            <a:r>
+              <a:rPr lang="en-US" altLang="ko-KR" dirty="0" smtClean="0"/>
+              <a:t>.</a:t>
+            </a:r>
+          </a:p>
+          <a:p>
+            <a:pPr>
+              <a:lnSpc>
+                <a:spcPct val="150000"/>
+              </a:lnSpc>
+            </a:pPr>
+            <a:r>
+              <a:rPr lang="ko-KR" altLang="en-US" dirty="0" smtClean="0"/>
+              <a:t>특수하게 접근하는 정보</a:t>
+            </a:r>
+            <a:r>
+              <a:rPr lang="en-US" altLang="ko-KR" dirty="0" smtClean="0"/>
+              <a:t>, </a:t>
+            </a:r>
+            <a:r>
+              <a:rPr lang="ko-KR" altLang="en-US" dirty="0" smtClean="0"/>
+              <a:t>사이트</a:t>
+            </a:r>
+            <a:r>
+              <a:rPr lang="en-US" altLang="ko-KR" dirty="0" smtClean="0"/>
+              <a:t>, </a:t>
+            </a:r>
+            <a:r>
+              <a:rPr lang="ko-KR" altLang="en-US" dirty="0" smtClean="0"/>
+              <a:t>파일은 학습하지 못했다</a:t>
+            </a:r>
+            <a:r>
+              <a:rPr lang="en-US" altLang="ko-KR" dirty="0" smtClean="0"/>
+              <a:t>.</a:t>
+            </a:r>
+          </a:p>
+          <a:p>
+            <a:pPr>
+              <a:lnSpc>
+                <a:spcPct val="150000"/>
+              </a:lnSpc>
+            </a:pPr>
+            <a:r>
+              <a:rPr lang="ko-KR" altLang="en-US" dirty="0" smtClean="0"/>
+              <a:t>범용적인 부분에서는 많은 자료를 학습하고 있다</a:t>
+            </a:r>
+            <a:r>
+              <a:rPr lang="en-US" altLang="ko-KR" dirty="0" smtClean="0"/>
+              <a:t>.</a:t>
+            </a:r>
+          </a:p>
+        </p:txBody>
+      </p:sp>
+    </p:spTree>
+    <p:extLst>
+      <p:ext uri="{BB962C8B-B14F-4D97-AF65-F5344CB8AC3E}">
+        <p14:creationId xmlns:p14="http://schemas.microsoft.com/office/powerpoint/2010/main" val="1391288646"/>
+      </p:ext>
+    </p:extLst>
+  </p:cSld>
+  <p:clrMapOvr>
+    <a:masterClrMapping/>
+  </p:clrMapOvr>
+</p:sld>
+</file>
+
+<file path=ppt/slides/slide15.xml><?xml version="1.0" encoding="utf-8"?>
+<p:sld xmlns:a="http://schemas.openxmlformats.org/drawingml/2006/main" xmlns:r="http://schemas.openxmlformats.org/officeDocument/2006/relationships" xmlns:p="http://schemas.openxmlformats.org/presentationml/2006/main">
+  <p:cSld>
+    <p:spTree>
+      <p:nvGrpSpPr>
+        <p:cNvPr id="1" name=""/>
+        <p:cNvGrpSpPr/>
+        <p:nvPr/>
+      </p:nvGrpSpPr>
+      <p:grpSpPr>
+        <a:xfrm>
+          <a:off x="0" y="0"/>
+          <a:ext cx="0" cy="0"/>
+          <a:chOff x="0" y="0"/>
+          <a:chExt cx="0" cy="0"/>
+        </a:xfrm>
+      </p:grpSpPr>
+      <p:sp>
+        <p:nvSpPr>
+          <p:cNvPr id="2" name="제목 1"/>
+          <p:cNvSpPr>
+            <a:spLocks noGrp="1"/>
+          </p:cNvSpPr>
+          <p:nvPr>
+            <p:ph type="title"/>
+          </p:nvPr>
+        </p:nvSpPr>
+        <p:spPr/>
+        <p:txBody>
+          <a:bodyPr/>
+          <a:lstStyle/>
+          <a:p>
+            <a:r>
+              <a:rPr lang="en-US" altLang="ko-KR" b="1" dirty="0" smtClean="0">
+                <a:hlinkClick r:id="rId2"/>
+              </a:rPr>
+              <a:t>Wikipedia</a:t>
+            </a:r>
+            <a:endParaRPr lang="ko-KR" altLang="en-US" b="1" dirty="0"/>
+          </a:p>
+        </p:txBody>
+      </p:sp>
+      <p:pic>
+        <p:nvPicPr>
+          <p:cNvPr id="4" name="내용 개체 틀 3"/>
+          <p:cNvPicPr>
+            <a:picLocks noGrp="1" noChangeAspect="1"/>
+          </p:cNvPicPr>
+          <p:nvPr>
+            <p:ph idx="1"/>
+          </p:nvPr>
+        </p:nvPicPr>
+        <p:blipFill>
+          <a:blip r:embed="rId3"/>
+          <a:stretch>
+            <a:fillRect/>
+          </a:stretch>
+        </p:blipFill>
+        <p:spPr>
+          <a:xfrm>
+            <a:off x="1235541" y="1825625"/>
+            <a:ext cx="9720917" cy="4351338"/>
+          </a:xfrm>
+          <a:prstGeom prst="rect">
+            <a:avLst/>
+          </a:prstGeom>
+        </p:spPr>
+      </p:pic>
+    </p:spTree>
+    <p:extLst>
+      <p:ext uri="{BB962C8B-B14F-4D97-AF65-F5344CB8AC3E}">
+        <p14:creationId xmlns:p14="http://schemas.microsoft.com/office/powerpoint/2010/main" val="942943353"/>
+      </p:ext>
+    </p:extLst>
+  </p:cSld>
+  <p:clrMapOvr>
+    <a:masterClrMapping/>
+  </p:clrMapOvr>
+</p:sld>
+</file>
+
+<file path=ppt/slides/slide16.xml><?xml version="1.0" encoding="utf-8"?>
+<p:sld xmlns:a="http://schemas.openxmlformats.org/drawingml/2006/main" xmlns:r="http://schemas.openxmlformats.org/officeDocument/2006/relationships" xmlns:p="http://schemas.openxmlformats.org/presentationml/2006/main">
+  <p:cSld>
+    <p:spTree>
+      <p:nvGrpSpPr>
+        <p:cNvPr id="1" name=""/>
+        <p:cNvGrpSpPr/>
+        <p:nvPr/>
+      </p:nvGrpSpPr>
+      <p:grpSpPr>
+        <a:xfrm>
+          <a:off x="0" y="0"/>
+          <a:ext cx="0" cy="0"/>
+          <a:chOff x="0" y="0"/>
+          <a:chExt cx="0" cy="0"/>
+        </a:xfrm>
+      </p:grpSpPr>
+      <p:sp>
+        <p:nvSpPr>
+          <p:cNvPr id="2" name="제목 1"/>
+          <p:cNvSpPr>
+            <a:spLocks noGrp="1"/>
+          </p:cNvSpPr>
+          <p:nvPr>
+            <p:ph type="title"/>
+          </p:nvPr>
+        </p:nvSpPr>
+        <p:spPr/>
+        <p:txBody>
+          <a:bodyPr/>
+          <a:lstStyle/>
+          <a:p>
+            <a:r>
+              <a:rPr lang="en-US" altLang="ko-KR" b="1" dirty="0">
+                <a:hlinkClick r:id="rId2"/>
+              </a:rPr>
+              <a:t>Wikipedia</a:t>
+            </a:r>
+            <a:endParaRPr lang="ko-KR" altLang="en-US" dirty="0"/>
+          </a:p>
+        </p:txBody>
+      </p:sp>
+      <p:pic>
+        <p:nvPicPr>
+          <p:cNvPr id="4" name="내용 개체 틀 3"/>
+          <p:cNvPicPr>
+            <a:picLocks noGrp="1" noChangeAspect="1"/>
+          </p:cNvPicPr>
+          <p:nvPr>
+            <p:ph idx="1"/>
+          </p:nvPr>
+        </p:nvPicPr>
+        <p:blipFill>
+          <a:blip r:embed="rId3"/>
+          <a:stretch>
+            <a:fillRect/>
+          </a:stretch>
+        </p:blipFill>
+        <p:spPr>
+          <a:xfrm>
+            <a:off x="1514933" y="1825625"/>
+            <a:ext cx="9162134" cy="4351338"/>
+          </a:xfrm>
+          <a:prstGeom prst="rect">
+            <a:avLst/>
+          </a:prstGeom>
+        </p:spPr>
+      </p:pic>
+    </p:spTree>
+    <p:extLst>
+      <p:ext uri="{BB962C8B-B14F-4D97-AF65-F5344CB8AC3E}">
+        <p14:creationId xmlns:p14="http://schemas.microsoft.com/office/powerpoint/2010/main" val="1064887009"/>
+      </p:ext>
+    </p:extLst>
+  </p:cSld>
+  <p:clrMapOvr>
+    <a:masterClrMapping/>
+  </p:clrMapOvr>
+</p:sld>
+</file>
+
+<file path=ppt/slides/slide17.xml><?xml version="1.0" encoding="utf-8"?>
+<p:sld xmlns:a="http://schemas.openxmlformats.org/drawingml/2006/main" xmlns:r="http://schemas.openxmlformats.org/officeDocument/2006/relationships" xmlns:p="http://schemas.openxmlformats.org/presentationml/2006/main">
+  <p:cSld>
+    <p:spTree>
+      <p:nvGrpSpPr>
+        <p:cNvPr id="1" name=""/>
+        <p:cNvGrpSpPr/>
+        <p:nvPr/>
+      </p:nvGrpSpPr>
+      <p:grpSpPr>
+        <a:xfrm>
+          <a:off x="0" y="0"/>
+          <a:ext cx="0" cy="0"/>
+          <a:chOff x="0" y="0"/>
+          <a:chExt cx="0" cy="0"/>
+        </a:xfrm>
+      </p:grpSpPr>
+      <p:sp>
+        <p:nvSpPr>
+          <p:cNvPr id="2" name="제목 1"/>
+          <p:cNvSpPr>
+            <a:spLocks noGrp="1"/>
+          </p:cNvSpPr>
+          <p:nvPr>
+            <p:ph type="title"/>
+          </p:nvPr>
+        </p:nvSpPr>
+        <p:spPr/>
+        <p:txBody>
+          <a:bodyPr/>
+          <a:lstStyle/>
+          <a:p>
+            <a:r>
+              <a:rPr lang="ko-KR" altLang="en-US" b="1" dirty="0" smtClean="0">
+                <a:hlinkClick r:id="rId2"/>
+              </a:rPr>
+              <a:t>피카소 공식 홈페이지</a:t>
+            </a:r>
+            <a:endParaRPr lang="ko-KR" altLang="en-US" b="1" dirty="0"/>
+          </a:p>
+        </p:txBody>
+      </p:sp>
+      <p:pic>
+        <p:nvPicPr>
+          <p:cNvPr id="4" name="내용 개체 틀 3"/>
+          <p:cNvPicPr>
+            <a:picLocks noGrp="1" noChangeAspect="1"/>
+          </p:cNvPicPr>
+          <p:nvPr>
+            <p:ph idx="1"/>
+          </p:nvPr>
+        </p:nvPicPr>
+        <p:blipFill>
+          <a:blip r:embed="rId3"/>
+          <a:stretch>
+            <a:fillRect/>
+          </a:stretch>
+        </p:blipFill>
+        <p:spPr>
+          <a:xfrm>
+            <a:off x="1790562" y="1825625"/>
+            <a:ext cx="8610876" cy="4351338"/>
+          </a:xfrm>
+          <a:prstGeom prst="rect">
+            <a:avLst/>
+          </a:prstGeom>
+        </p:spPr>
+      </p:pic>
+    </p:spTree>
+    <p:extLst>
+      <p:ext uri="{BB962C8B-B14F-4D97-AF65-F5344CB8AC3E}">
+        <p14:creationId xmlns:p14="http://schemas.microsoft.com/office/powerpoint/2010/main" val="2743085312"/>
+      </p:ext>
+    </p:extLst>
+  </p:cSld>
+  <p:clrMapOvr>
+    <a:masterClrMapping/>
+  </p:clrMapOvr>
+</p:sld>
+</file>
+
 <file path=ppt/slides/slide2.xml><?xml version="1.0" encoding="utf-8"?>
 <p:sld xmlns:a="http://schemas.openxmlformats.org/drawingml/2006/main" xmlns:r="http://schemas.openxmlformats.org/officeDocument/2006/relationships" xmlns:p="http://schemas.openxmlformats.org/presentationml/2006/main">
   <p:cSld>
@@ -3283,9 +3868,22 @@
           </a:bodyPr>
           <a:lstStyle/>
           <a:p>
+            <a:endParaRPr lang="en-US" altLang="ko-KR" sz="4400" b="1" dirty="0" smtClean="0"/>
+          </a:p>
+          <a:p>
+            <a:endParaRPr lang="en-US" altLang="ko-KR" sz="4400" b="1" dirty="0"/>
+          </a:p>
+          <a:p>
+            <a:pPr marL="0" indent="0" algn="ctr">
+              <a:buNone/>
+            </a:pPr>
             <a:r>
               <a:rPr lang="ko-KR" altLang="en-US" sz="4400" b="1" dirty="0" smtClean="0"/>
-              <a:t>경기도보건환경연구원 원장은 누구</a:t>
+              <a:t>경기도보건환경연구원 </a:t>
+            </a:r>
+            <a:r>
+              <a:rPr lang="ko-KR" altLang="en-US" sz="4400" b="1" dirty="0" smtClean="0"/>
+              <a:t>원장은 누구</a:t>
             </a:r>
             <a:r>
               <a:rPr lang="en-US" altLang="ko-KR" sz="4400" b="1" dirty="0" smtClean="0"/>
@@ -3420,6 +4018,85 @@
           <a:lstStyle/>
           <a:p>
             <a:r>
+              <a:rPr lang="en-US" altLang="ko-KR" b="1" dirty="0"/>
+              <a:t>GPT-3.5</a:t>
+            </a:r>
+            <a:endParaRPr lang="ko-KR" altLang="en-US" dirty="0"/>
+          </a:p>
+        </p:txBody>
+      </p:sp>
+      <p:pic>
+        <p:nvPicPr>
+          <p:cNvPr id="4" name="내용 개체 틀 3"/>
+          <p:cNvPicPr>
+            <a:picLocks noGrp="1" noChangeAspect="1"/>
+          </p:cNvPicPr>
+          <p:nvPr>
+            <p:ph idx="1"/>
+          </p:nvPr>
+        </p:nvPicPr>
+        <p:blipFill>
+          <a:blip r:embed="rId2"/>
+          <a:stretch>
+            <a:fillRect/>
+          </a:stretch>
+        </p:blipFill>
+        <p:spPr>
+          <a:xfrm>
+            <a:off x="1771046" y="2257975"/>
+            <a:ext cx="8649907" cy="3486637"/>
+          </a:xfrm>
+          <a:prstGeom prst="rect">
+            <a:avLst/>
+          </a:prstGeom>
+        </p:spPr>
+      </p:pic>
+    </p:spTree>
+    <p:extLst>
+      <p:ext uri="{BB962C8B-B14F-4D97-AF65-F5344CB8AC3E}">
+        <p14:creationId xmlns:p14="http://schemas.microsoft.com/office/powerpoint/2010/main" val="1662351066"/>
+      </p:ext>
+    </p:extLst>
+  </p:cSld>
+  <p:clrMapOvr>
+    <a:masterClrMapping/>
+  </p:clrMapOvr>
+</p:sld>
+</file>
+
+<file path=ppt/slides/slide5.xml><?xml version="1.0" encoding="utf-8"?>
+<p:sld xmlns:a="http://schemas.openxmlformats.org/drawingml/2006/main" xmlns:r="http://schemas.openxmlformats.org/officeDocument/2006/relationships" xmlns:p="http://schemas.openxmlformats.org/presentationml/2006/main">
+  <p:cSld>
+    <p:spTree>
+      <p:nvGrpSpPr>
+        <p:cNvPr id="1" name=""/>
+        <p:cNvGrpSpPr/>
+        <p:nvPr/>
+      </p:nvGrpSpPr>
+      <p:grpSpPr>
+        <a:xfrm>
+          <a:off x="0" y="0"/>
+          <a:ext cx="0" cy="0"/>
+          <a:chOff x="0" y="0"/>
+          <a:chExt cx="0" cy="0"/>
+        </a:xfrm>
+      </p:grpSpPr>
+      <p:sp>
+        <p:nvSpPr>
+          <p:cNvPr id="2" name="제목 1"/>
+          <p:cNvSpPr>
+            <a:spLocks noGrp="1"/>
+          </p:cNvSpPr>
+          <p:nvPr>
+            <p:ph type="title"/>
+          </p:nvPr>
+        </p:nvSpPr>
+        <p:spPr/>
+        <p:txBody>
+          <a:bodyPr/>
+          <a:lstStyle/>
+          <a:p>
+            <a:r>
               <a:rPr lang="ko-KR" altLang="en-US" b="1" dirty="0" err="1" smtClean="0"/>
               <a:t>뤼튼</a:t>
             </a:r>
@@ -3474,7 +4151,7 @@
 </p:sld>
 </file>
 
-<file path=ppt/slides/slide5.xml><?xml version="1.0" encoding="utf-8"?>
+<file path=ppt/slides/slide6.xml><?xml version="1.0" encoding="utf-8"?>
 <p:sld xmlns:a="http://schemas.openxmlformats.org/drawingml/2006/main" xmlns:r="http://schemas.openxmlformats.org/officeDocument/2006/relationships" xmlns:p="http://schemas.openxmlformats.org/presentationml/2006/main">
   <p:cSld>
     <p:spTree>
@@ -3553,7 +4230,7 @@
 </p:sld>
 </file>
 
-<file path=ppt/slides/slide6.xml><?xml version="1.0" encoding="utf-8"?>
+<file path=ppt/slides/slide7.xml><?xml version="1.0" encoding="utf-8"?>
 <p:sld xmlns:a="http://schemas.openxmlformats.org/drawingml/2006/main" xmlns:r="http://schemas.openxmlformats.org/officeDocument/2006/relationships" xmlns:p="http://schemas.openxmlformats.org/presentationml/2006/main">
   <p:cSld>
     <p:spTree>
@@ -3632,7 +4309,7 @@
 </p:sld>
 </file>
 
-<file path=ppt/slides/slide7.xml><?xml version="1.0" encoding="utf-8"?>
+<file path=ppt/slides/slide8.xml><?xml version="1.0" encoding="utf-8"?>
 <p:sld xmlns:a="http://schemas.openxmlformats.org/drawingml/2006/main" xmlns:r="http://schemas.openxmlformats.org/officeDocument/2006/relationships" xmlns:p="http://schemas.openxmlformats.org/presentationml/2006/main">
   <p:cSld>
     <p:spTree>
@@ -3715,7 +4392,7 @@
 </p:sld>
 </file>
 
-<file path=ppt/slides/slide8.xml><?xml version="1.0" encoding="utf-8"?>
+<file path=ppt/slides/slide9.xml><?xml version="1.0" encoding="utf-8"?>
 <p:sld xmlns:a="http://schemas.openxmlformats.org/drawingml/2006/main" xmlns:r="http://schemas.openxmlformats.org/officeDocument/2006/relationships" xmlns:p="http://schemas.openxmlformats.org/presentationml/2006/main">
   <p:cSld>
     <p:spTree>
@@ -3787,93 +4464,6 @@
     <p:extLst>
       <p:ext uri="{BB962C8B-B14F-4D97-AF65-F5344CB8AC3E}">
         <p14:creationId xmlns:p14="http://schemas.microsoft.com/office/powerpoint/2010/main" val="3915324444"/>
-      </p:ext>
-    </p:extLst>
-  </p:cSld>
-  <p:clrMapOvr>
-    <a:masterClrMapping/>
-  </p:clrMapOvr>
-</p:sld>
-</file>
-
-<file path=ppt/slides/slide9.xml><?xml version="1.0" encoding="utf-8"?>
-<p:sld xmlns:a="http://schemas.openxmlformats.org/drawingml/2006/main" xmlns:r="http://schemas.openxmlformats.org/officeDocument/2006/relationships" xmlns:p="http://schemas.openxmlformats.org/presentationml/2006/main">
-  <p:cSld>
-    <p:spTree>
-      <p:nvGrpSpPr>
-        <p:cNvPr id="1" name=""/>
-        <p:cNvGrpSpPr/>
-        <p:nvPr/>
-      </p:nvGrpSpPr>
-      <p:grpSpPr>
-        <a:xfrm>
-          <a:off x="0" y="0"/>
-          <a:ext cx="0" cy="0"/>
-          <a:chOff x="0" y="0"/>
-          <a:chExt cx="0" cy="0"/>
-        </a:xfrm>
-      </p:grpSpPr>
-      <p:sp>
-        <p:nvSpPr>
-          <p:cNvPr id="2" name="제목 1"/>
-          <p:cNvSpPr>
-            <a:spLocks noGrp="1"/>
-          </p:cNvSpPr>
-          <p:nvPr>
-            <p:ph type="title"/>
-          </p:nvPr>
-        </p:nvSpPr>
-        <p:spPr/>
-        <p:txBody>
-          <a:bodyPr/>
-          <a:lstStyle/>
-          <a:p>
-            <a:r>
-              <a:rPr lang="ko-KR" altLang="en-US" b="1" dirty="0" err="1" smtClean="0"/>
-              <a:t>뤼튼</a:t>
-            </a:r>
-            <a:r>
-              <a:rPr lang="ko-KR" altLang="en-US" b="1" dirty="0" smtClean="0"/>
-              <a:t> </a:t>
-            </a:r>
-            <a:r>
-              <a:rPr lang="ko-KR" altLang="en-US" b="1" dirty="0" err="1" smtClean="0"/>
-              <a:t>검색모드</a:t>
-            </a:r>
-            <a:endParaRPr lang="ko-KR" altLang="en-US" b="1" dirty="0"/>
-          </a:p>
-        </p:txBody>
-      </p:sp>
-      <p:pic>
-        <p:nvPicPr>
-          <p:cNvPr id="4" name="내용 개체 틀 3"/>
-          <p:cNvPicPr>
-            <a:picLocks noGrp="1" noChangeAspect="1"/>
-          </p:cNvPicPr>
-          <p:nvPr>
-            <p:ph idx="1"/>
-          </p:nvPr>
-        </p:nvPicPr>
-        <p:blipFill>
-          <a:blip r:embed="rId2"/>
-          <a:stretch>
-            <a:fillRect/>
-          </a:stretch>
-        </p:blipFill>
-        <p:spPr>
-          <a:xfrm>
-            <a:off x="2118757" y="2305607"/>
-            <a:ext cx="7954485" cy="3391373"/>
-          </a:xfrm>
-          <a:prstGeom prst="rect">
-            <a:avLst/>
-          </a:prstGeom>
-        </p:spPr>
-      </p:pic>
-    </p:spTree>
-    <p:extLst>
-      <p:ext uri="{BB962C8B-B14F-4D97-AF65-F5344CB8AC3E}">
-        <p14:creationId xmlns:p14="http://schemas.microsoft.com/office/powerpoint/2010/main" val="3444500979"/>
       </p:ext>
     </p:extLst>
   </p:cSld>
